--- a/DocumentsTGbot/PrezaTGbot.pptx
+++ b/DocumentsTGbot/PrezaTGbot.pptx
@@ -5,7 +5,7 @@
     <p:sldMasterId id="2147483648" r:id="rId1"/>
   </p:sldMasterIdLst>
   <p:notesMasterIdLst>
-    <p:notesMasterId r:id="rId13"/>
+    <p:notesMasterId r:id="rId12"/>
   </p:notesMasterIdLst>
   <p:sldIdLst>
     <p:sldId id="256" r:id="rId2"/>
@@ -14,11 +14,10 @@
     <p:sldId id="259" r:id="rId5"/>
     <p:sldId id="260" r:id="rId6"/>
     <p:sldId id="267" r:id="rId7"/>
-    <p:sldId id="261" r:id="rId8"/>
-    <p:sldId id="263" r:id="rId9"/>
-    <p:sldId id="269" r:id="rId10"/>
-    <p:sldId id="268" r:id="rId11"/>
-    <p:sldId id="266" r:id="rId12"/>
+    <p:sldId id="263" r:id="rId8"/>
+    <p:sldId id="269" r:id="rId9"/>
+    <p:sldId id="268" r:id="rId10"/>
+    <p:sldId id="270" r:id="rId11"/>
   </p:sldIdLst>
   <p:sldSz cx="12192000" cy="6858000"/>
   <p:notesSz cx="6858000" cy="9144000"/>
@@ -207,7 +206,7 @@
           <a:p>
             <a:fld id="{6B226294-03C9-4218-B6BA-A8BA55688209}" type="datetimeFigureOut">
               <a:rPr lang="ru-RU" smtClean="0"/>
-              <a:t>09.06.2024</a:t>
+              <a:t>10.06.2024</a:t>
             </a:fld>
             <a:endParaRPr lang="ru-RU"/>
           </a:p>
@@ -606,7 +605,7 @@
           <a:p>
             <a:fld id="{8B9DD759-083A-4BA5-BE66-F619077B039A}" type="datetime1">
               <a:rPr lang="ru-RU" smtClean="0"/>
-              <a:t>09.06.2024</a:t>
+              <a:t>10.06.2024</a:t>
             </a:fld>
             <a:endParaRPr lang="ru-RU"/>
           </a:p>
@@ -776,7 +775,7 @@
           <a:p>
             <a:fld id="{8DC4BCA0-85B4-451E-8867-89752D27ACBD}" type="datetime1">
               <a:rPr lang="ru-RU" smtClean="0"/>
-              <a:t>09.06.2024</a:t>
+              <a:t>10.06.2024</a:t>
             </a:fld>
             <a:endParaRPr lang="ru-RU"/>
           </a:p>
@@ -956,7 +955,7 @@
           <a:p>
             <a:fld id="{BA4D48BC-E985-4284-A16C-F8D0CC584B8F}" type="datetime1">
               <a:rPr lang="ru-RU" smtClean="0"/>
-              <a:t>09.06.2024</a:t>
+              <a:t>10.06.2024</a:t>
             </a:fld>
             <a:endParaRPr lang="ru-RU"/>
           </a:p>
@@ -1126,7 +1125,7 @@
           <a:p>
             <a:fld id="{F9D1F670-C609-4A5C-901E-78690140857D}" type="datetime1">
               <a:rPr lang="ru-RU" smtClean="0"/>
-              <a:t>09.06.2024</a:t>
+              <a:t>10.06.2024</a:t>
             </a:fld>
             <a:endParaRPr lang="ru-RU"/>
           </a:p>
@@ -1372,7 +1371,7 @@
           <a:p>
             <a:fld id="{85DD30CB-0F92-4EC3-8956-4BF7BC6324FA}" type="datetime1">
               <a:rPr lang="ru-RU" smtClean="0"/>
-              <a:t>09.06.2024</a:t>
+              <a:t>10.06.2024</a:t>
             </a:fld>
             <a:endParaRPr lang="ru-RU"/>
           </a:p>
@@ -1604,7 +1603,7 @@
           <a:p>
             <a:fld id="{D755F1FE-337A-47F3-BF3D-7B4817B62B91}" type="datetime1">
               <a:rPr lang="ru-RU" smtClean="0"/>
-              <a:t>09.06.2024</a:t>
+              <a:t>10.06.2024</a:t>
             </a:fld>
             <a:endParaRPr lang="ru-RU"/>
           </a:p>
@@ -1971,7 +1970,7 @@
           <a:p>
             <a:fld id="{E29A42C8-3533-4C7E-9198-1697077F5639}" type="datetime1">
               <a:rPr lang="ru-RU" smtClean="0"/>
-              <a:t>09.06.2024</a:t>
+              <a:t>10.06.2024</a:t>
             </a:fld>
             <a:endParaRPr lang="ru-RU"/>
           </a:p>
@@ -2089,7 +2088,7 @@
           <a:p>
             <a:fld id="{E1993DC6-E367-47E3-BF01-A0B24903158C}" type="datetime1">
               <a:rPr lang="ru-RU" smtClean="0"/>
-              <a:t>09.06.2024</a:t>
+              <a:t>10.06.2024</a:t>
             </a:fld>
             <a:endParaRPr lang="ru-RU"/>
           </a:p>
@@ -2184,7 +2183,7 @@
           <a:p>
             <a:fld id="{7AC2986C-E848-44D9-BC1E-ACC0AE807259}" type="datetime1">
               <a:rPr lang="ru-RU" smtClean="0"/>
-              <a:t>09.06.2024</a:t>
+              <a:t>10.06.2024</a:t>
             </a:fld>
             <a:endParaRPr lang="ru-RU"/>
           </a:p>
@@ -2461,7 +2460,7 @@
           <a:p>
             <a:fld id="{D2DF41E5-E387-489A-9BB3-7386EFD0C088}" type="datetime1">
               <a:rPr lang="ru-RU" smtClean="0"/>
-              <a:t>09.06.2024</a:t>
+              <a:t>10.06.2024</a:t>
             </a:fld>
             <a:endParaRPr lang="ru-RU"/>
           </a:p>
@@ -2714,7 +2713,7 @@
           <a:p>
             <a:fld id="{C009762B-B541-4A46-A92E-9E1A8643439F}" type="datetime1">
               <a:rPr lang="ru-RU" smtClean="0"/>
-              <a:t>09.06.2024</a:t>
+              <a:t>10.06.2024</a:t>
             </a:fld>
             <a:endParaRPr lang="ru-RU"/>
           </a:p>
@@ -2927,7 +2926,7 @@
           <a:p>
             <a:fld id="{D3455992-EB70-4179-BB2E-875D7B86BA63}" type="datetime1">
               <a:rPr lang="ru-RU" smtClean="0"/>
-              <a:t>09.06.2024</a:t>
+              <a:t>10.06.2024</a:t>
             </a:fld>
             <a:endParaRPr lang="ru-RU"/>
           </a:p>
@@ -3346,13 +3345,33 @@
         <p:spPr/>
         <p:txBody>
           <a:bodyPr>
-            <a:normAutofit fontScale="90000"/>
+            <a:normAutofit/>
           </a:bodyPr>
           <a:lstStyle/>
           <a:p>
             <a:r>
+              <a:rPr lang="ru-RU" dirty="0" err="1" smtClean="0"/>
+              <a:t>Telegram</a:t>
+            </a:r>
+            <a:r>
               <a:rPr lang="ru-RU" dirty="0" smtClean="0"/>
-              <a:t>Разработка приложения для распознавания текста с изображений</a:t>
+              <a:t> бот </a:t>
+            </a:r>
+            <a:r>
+              <a:rPr lang="ru-RU" dirty="0"/>
+              <a:t>для </a:t>
+            </a:r>
+            <a:r>
+              <a:rPr lang="ru-RU" dirty="0" smtClean="0"/>
+              <a:t>перевода </a:t>
+            </a:r>
+            <a:r>
+              <a:rPr lang="ru-RU" dirty="0"/>
+              <a:t>текста </a:t>
+            </a:r>
+            <a:r>
+              <a:rPr lang="ru-RU" dirty="0" err="1" smtClean="0"/>
+              <a:t>AutoTranslatorRUS</a:t>
             </a:r>
             <a:endParaRPr lang="ru-RU" dirty="0"/>
           </a:p>
@@ -3389,8 +3408,21 @@
             </a:r>
             <a:r>
               <a:rPr lang="ru-RU" dirty="0" smtClean="0"/>
-              <a:t> студент 4 курса Евтухов В.А.</a:t>
-            </a:r>
+              <a:t> студент </a:t>
+            </a:r>
+            <a:r>
+              <a:rPr lang="ru-RU" dirty="0" smtClean="0"/>
+              <a:t>3 </a:t>
+            </a:r>
+            <a:r>
+              <a:rPr lang="ru-RU" dirty="0" smtClean="0"/>
+              <a:t>курса </a:t>
+            </a:r>
+            <a:r>
+              <a:rPr lang="ru-RU" dirty="0" smtClean="0"/>
+              <a:t>Черных А. В.</a:t>
+            </a:r>
+            <a:endParaRPr lang="ru-RU" dirty="0" smtClean="0"/>
           </a:p>
           <a:p>
             <a:pPr algn="r"/>
@@ -3502,11 +3534,11 @@
           <a:p>
             <a:pPr algn="ctr"/>
             <a:r>
-              <a:rPr lang="ru-RU" dirty="0" smtClean="0">
+              <a:rPr lang="en-US" dirty="0" smtClean="0">
                 <a:latin typeface="Times New Roman" panose="02020603050405020304" pitchFamily="18" charset="0"/>
                 <a:cs typeface="Times New Roman" panose="02020603050405020304" pitchFamily="18" charset="0"/>
               </a:rPr>
-              <a:t>Заключение</a:t>
+              <a:t>GitHub</a:t>
             </a:r>
             <a:endParaRPr lang="ru-RU" dirty="0">
               <a:latin typeface="Times New Roman" panose="02020603050405020304" pitchFamily="18" charset="0"/>
@@ -3515,56 +3547,32 @@
           </a:p>
         </p:txBody>
       </p:sp>
-      <p:sp>
-        <p:nvSpPr>
-          <p:cNvPr id="3" name="Объект 2"/>
-          <p:cNvSpPr>
-            <a:spLocks noGrp="1"/>
-          </p:cNvSpPr>
+      <p:pic>
+        <p:nvPicPr>
+          <p:cNvPr id="4" name="Объект 3"/>
+          <p:cNvPicPr>
+            <a:picLocks noGrp="1" noChangeAspect="1"/>
+          </p:cNvPicPr>
           <p:nvPr>
             <p:ph idx="1"/>
           </p:nvPr>
-        </p:nvSpPr>
-        <p:spPr/>
-        <p:txBody>
-          <a:bodyPr>
-            <a:normAutofit/>
-          </a:bodyPr>
-          <a:lstStyle/>
-          <a:p>
-            <a:r>
-              <a:rPr lang="ru-RU" sz="3200" dirty="0"/>
-              <a:t>разработка Telegram-бота для автоматического перевода текстов</a:t>
-            </a:r>
-            <a:r>
-              <a:rPr lang="ru-RU" sz="3200" dirty="0" smtClean="0"/>
-              <a:t>.</a:t>
-            </a:r>
-            <a:endParaRPr lang="en-US" sz="3200" dirty="0" smtClean="0"/>
-          </a:p>
-          <a:p>
-            <a:r>
-              <a:rPr lang="ru-RU" sz="3200" dirty="0"/>
-              <a:t>Результаты: успешная реализация и тестирование бота</a:t>
-            </a:r>
-            <a:r>
-              <a:rPr lang="ru-RU" sz="3200" dirty="0" smtClean="0"/>
-              <a:t>.</a:t>
-            </a:r>
-            <a:endParaRPr lang="en-US" sz="3200" dirty="0" smtClean="0"/>
-          </a:p>
-          <a:p>
-            <a:r>
-              <a:rPr lang="ru-RU" sz="3200"/>
-              <a:t>Направления для дальнейшего улучшения.</a:t>
-            </a:r>
-            <a:endParaRPr lang="ru-RU" sz="3200" dirty="0">
-              <a:latin typeface="Times New Roman" panose="02020603050405020304" pitchFamily="18" charset="0"/>
-              <a:cs typeface="Times New Roman" panose="02020603050405020304" pitchFamily="18" charset="0"/>
-            </a:endParaRPr>
-          </a:p>
-        </p:txBody>
-      </p:sp>
+        </p:nvPicPr>
+        <p:blipFill>
+          <a:blip r:embed="rId2"/>
+          <a:stretch>
+            <a:fillRect/>
+          </a:stretch>
+        </p:blipFill>
+        <p:spPr>
+          <a:xfrm>
+            <a:off x="3919233" y="1690688"/>
+            <a:ext cx="4353533" cy="4296375"/>
+          </a:xfrm>
+          <a:prstGeom prst="rect">
+            <a:avLst/>
+          </a:prstGeom>
+        </p:spPr>
+      </p:pic>
       <p:sp>
         <p:nvSpPr>
           <p:cNvPr id="5" name="Номер слайда 4"/>
@@ -3599,165 +3607,13 @@
     </p:spTree>
     <p:extLst>
       <p:ext uri="{BB962C8B-B14F-4D97-AF65-F5344CB8AC3E}">
-        <p14:creationId xmlns:p14="http://schemas.microsoft.com/office/powerpoint/2010/main" val="2452373963"/>
+        <p14:creationId xmlns:p14="http://schemas.microsoft.com/office/powerpoint/2010/main" val="3246577692"/>
       </p:ext>
     </p:extLst>
   </p:cSld>
   <p:clrMapOvr>
     <a:masterClrMapping/>
   </p:clrMapOvr>
-</p:sld>
-</file>
-
-<file path=ppt/slides/slide11.xml><?xml version="1.0" encoding="utf-8"?>
-<p:sld xmlns:a="http://schemas.openxmlformats.org/drawingml/2006/main" xmlns:r="http://schemas.openxmlformats.org/officeDocument/2006/relationships" xmlns:p="http://schemas.openxmlformats.org/presentationml/2006/main">
-  <p:cSld>
-    <p:spTree>
-      <p:nvGrpSpPr>
-        <p:cNvPr id="1" name=""/>
-        <p:cNvGrpSpPr/>
-        <p:nvPr/>
-      </p:nvGrpSpPr>
-      <p:grpSpPr>
-        <a:xfrm>
-          <a:off x="0" y="0"/>
-          <a:ext cx="0" cy="0"/>
-          <a:chOff x="0" y="0"/>
-          <a:chExt cx="0" cy="0"/>
-        </a:xfrm>
-      </p:grpSpPr>
-      <p:sp>
-        <p:nvSpPr>
-          <p:cNvPr id="2" name="Заголовок 1"/>
-          <p:cNvSpPr>
-            <a:spLocks noGrp="1"/>
-          </p:cNvSpPr>
-          <p:nvPr>
-            <p:ph type="ctrTitle"/>
-          </p:nvPr>
-        </p:nvSpPr>
-        <p:spPr/>
-        <p:txBody>
-          <a:bodyPr>
-            <a:normAutofit fontScale="90000"/>
-          </a:bodyPr>
-          <a:lstStyle/>
-          <a:p>
-            <a:r>
-              <a:rPr lang="ru-RU" dirty="0" smtClean="0"/>
-              <a:t>Разработка приложения для распознавания текста с изображений</a:t>
-            </a:r>
-            <a:endParaRPr lang="ru-RU" dirty="0"/>
-          </a:p>
-        </p:txBody>
-      </p:sp>
-      <p:sp>
-        <p:nvSpPr>
-          <p:cNvPr id="3" name="Подзаголовок 2"/>
-          <p:cNvSpPr>
-            <a:spLocks noGrp="1"/>
-          </p:cNvSpPr>
-          <p:nvPr>
-            <p:ph type="subTitle" idx="1"/>
-          </p:nvPr>
-        </p:nvSpPr>
-        <p:spPr>
-          <a:xfrm>
-            <a:off x="3048000" y="5202238"/>
-            <a:ext cx="9144000" cy="1655762"/>
-          </a:xfrm>
-        </p:spPr>
-        <p:txBody>
-          <a:bodyPr/>
-          <a:lstStyle/>
-          <a:p>
-            <a:pPr algn="r"/>
-            <a:r>
-              <a:rPr lang="ru-RU" dirty="0" smtClean="0"/>
-              <a:t>Выполнил</a:t>
-            </a:r>
-            <a:r>
-              <a:rPr lang="en-US" dirty="0" smtClean="0"/>
-              <a:t>:</a:t>
-            </a:r>
-            <a:r>
-              <a:rPr lang="ru-RU" dirty="0" smtClean="0"/>
-              <a:t> студент 4 курса Евтухов В.А.</a:t>
-            </a:r>
-          </a:p>
-          <a:p>
-            <a:pPr algn="r"/>
-            <a:r>
-              <a:rPr lang="ru-RU" dirty="0" smtClean="0"/>
-              <a:t>Руководитель</a:t>
-            </a:r>
-            <a:r>
-              <a:rPr lang="en-US" dirty="0" smtClean="0"/>
-              <a:t>:</a:t>
-            </a:r>
-            <a:r>
-              <a:rPr lang="ru-RU" dirty="0" smtClean="0"/>
-              <a:t>  А. А. </a:t>
-            </a:r>
-            <a:r>
-              <a:rPr lang="ru-RU" dirty="0" err="1" smtClean="0"/>
-              <a:t>Вахтин</a:t>
-            </a:r>
-            <a:r>
-              <a:rPr lang="ru-RU" dirty="0" smtClean="0"/>
-              <a:t>, доцент</a:t>
-            </a:r>
-            <a:endParaRPr lang="ru-RU" dirty="0"/>
-          </a:p>
-        </p:txBody>
-      </p:sp>
-      <p:sp>
-        <p:nvSpPr>
-          <p:cNvPr id="4" name="TextBox 3"/>
-          <p:cNvSpPr txBox="1"/>
-          <p:nvPr/>
-        </p:nvSpPr>
-        <p:spPr>
-          <a:xfrm>
-            <a:off x="5181600" y="6392009"/>
-            <a:ext cx="1828800" cy="369332"/>
-          </a:xfrm>
-          <a:prstGeom prst="rect">
-            <a:avLst/>
-          </a:prstGeom>
-          <a:noFill/>
-        </p:spPr>
-        <p:txBody>
-          <a:bodyPr wrap="square" rtlCol="0">
-            <a:spAutoFit/>
-          </a:bodyPr>
-          <a:lstStyle/>
-          <a:p>
-            <a:r>
-              <a:rPr lang="ru-RU" dirty="0" smtClean="0"/>
-              <a:t>Воронеж 2024</a:t>
-            </a:r>
-            <a:endParaRPr lang="ru-RU" dirty="0"/>
-          </a:p>
-        </p:txBody>
-      </p:sp>
-    </p:spTree>
-    <p:extLst>
-      <p:ext uri="{BB962C8B-B14F-4D97-AF65-F5344CB8AC3E}">
-        <p14:creationId xmlns:p14="http://schemas.microsoft.com/office/powerpoint/2010/main" val="3161532424"/>
-      </p:ext>
-    </p:extLst>
-  </p:cSld>
-  <p:clrMapOvr>
-    <a:masterClrMapping/>
-  </p:clrMapOvr>
-  <p:timing>
-    <p:tnLst>
-      <p:par>
-        <p:cTn id="1" dur="indefinite" restart="never" nodeType="tmRoot"/>
-      </p:par>
-    </p:tnLst>
-  </p:timing>
 </p:sld>
 </file>
 
@@ -3826,10 +3682,6 @@
               </a:rPr>
               <a:t>Увеличение потребности в многоязычной коммуникации</a:t>
             </a:r>
-            <a:endParaRPr lang="ru-RU" sz="3600" dirty="0" smtClean="0">
-              <a:latin typeface="Times New Roman" panose="02020603050405020304" pitchFamily="18" charset="0"/>
-              <a:cs typeface="Times New Roman" panose="02020603050405020304" pitchFamily="18" charset="0"/>
-            </a:endParaRPr>
           </a:p>
           <a:p>
             <a:r>
@@ -3839,10 +3691,6 @@
               </a:rPr>
               <a:t>Неудобство переключения между платформами для перевода</a:t>
             </a:r>
-            <a:endParaRPr lang="ru-RU" sz="3600" dirty="0" smtClean="0">
-              <a:latin typeface="Times New Roman" panose="02020603050405020304" pitchFamily="18" charset="0"/>
-              <a:cs typeface="Times New Roman" panose="02020603050405020304" pitchFamily="18" charset="0"/>
-            </a:endParaRPr>
           </a:p>
           <a:p>
             <a:r>
@@ -3865,13 +3713,6 @@
                 <a:cs typeface="Times New Roman" panose="02020603050405020304" pitchFamily="18" charset="0"/>
               </a:rPr>
               <a:t>бота для автоматического перевода текстов</a:t>
-            </a:r>
-            <a:r>
-              <a:rPr lang="ru-RU" sz="3600" dirty="0" smtClean="0">
-                <a:latin typeface="Times New Roman" panose="02020603050405020304" pitchFamily="18" charset="0"/>
-                <a:cs typeface="Times New Roman" panose="02020603050405020304" pitchFamily="18" charset="0"/>
-              </a:rPr>
-              <a:t/>
             </a:r>
             <a:br>
               <a:rPr lang="ru-RU" sz="3600" dirty="0" smtClean="0">
@@ -4040,7 +3881,6 @@
               <a:rPr lang="en-US" dirty="0" smtClean="0"/>
               <a:t> bot</a:t>
             </a:r>
-            <a:endParaRPr lang="en-US" dirty="0" smtClean="0"/>
           </a:p>
           <a:p>
             <a:endParaRPr lang="ru-RU" dirty="0"/>
@@ -4594,7 +4434,7 @@
             <a:pPr algn="ctr"/>
             <a:r>
               <a:rPr lang="ru-RU" dirty="0" smtClean="0"/>
-              <a:t>Средства реализации</a:t>
+              <a:t>Пример работы</a:t>
             </a:r>
             <a:endParaRPr lang="ru-RU" dirty="0"/>
           </a:p>
@@ -4602,106 +4442,7 @@
       </p:sp>
       <p:sp>
         <p:nvSpPr>
-          <p:cNvPr id="3" name="Объект 2"/>
-          <p:cNvSpPr>
-            <a:spLocks noGrp="1"/>
-          </p:cNvSpPr>
-          <p:nvPr>
-            <p:ph idx="1"/>
-          </p:nvPr>
-        </p:nvSpPr>
-        <p:spPr/>
-        <p:txBody>
-          <a:bodyPr/>
-          <a:lstStyle/>
-          <a:p>
-            <a:r>
-              <a:rPr lang="en-US" dirty="0" err="1" smtClean="0">
-                <a:latin typeface="Times New Roman" panose="02020603050405020304" pitchFamily="18" charset="0"/>
-                <a:cs typeface="Times New Roman" panose="02020603050405020304" pitchFamily="18" charset="0"/>
-              </a:rPr>
-              <a:t>PyTesseract</a:t>
-            </a:r>
-            <a:endParaRPr lang="en-US" dirty="0" smtClean="0">
-              <a:latin typeface="Times New Roman" panose="02020603050405020304" pitchFamily="18" charset="0"/>
-              <a:cs typeface="Times New Roman" panose="02020603050405020304" pitchFamily="18" charset="0"/>
-            </a:endParaRPr>
-          </a:p>
-          <a:p>
-            <a:r>
-              <a:rPr lang="en-US" dirty="0" smtClean="0">
-                <a:latin typeface="Times New Roman" panose="02020603050405020304" pitchFamily="18" charset="0"/>
-                <a:cs typeface="Times New Roman" panose="02020603050405020304" pitchFamily="18" charset="0"/>
-              </a:rPr>
-              <a:t>Open-cv</a:t>
-            </a:r>
-          </a:p>
-          <a:p>
-            <a:r>
-              <a:rPr lang="en-US" dirty="0" err="1" smtClean="0">
-                <a:latin typeface="Times New Roman" panose="02020603050405020304" pitchFamily="18" charset="0"/>
-                <a:cs typeface="Times New Roman" panose="02020603050405020304" pitchFamily="18" charset="0"/>
-              </a:rPr>
-              <a:t>Tkinker</a:t>
-            </a:r>
-            <a:endParaRPr lang="en-US" dirty="0" smtClean="0">
-              <a:latin typeface="Times New Roman" panose="02020603050405020304" pitchFamily="18" charset="0"/>
-              <a:cs typeface="Times New Roman" panose="02020603050405020304" pitchFamily="18" charset="0"/>
-            </a:endParaRPr>
-          </a:p>
-          <a:p>
-            <a:r>
-              <a:rPr lang="en-US" dirty="0" smtClean="0">
-                <a:latin typeface="Times New Roman" panose="02020603050405020304" pitchFamily="18" charset="0"/>
-                <a:cs typeface="Times New Roman" panose="02020603050405020304" pitchFamily="18" charset="0"/>
-              </a:rPr>
-              <a:t>FPDF</a:t>
-            </a:r>
-          </a:p>
-          <a:p>
-            <a:r>
-              <a:rPr lang="en-US" dirty="0" err="1" smtClean="0">
-                <a:latin typeface="Times New Roman" panose="02020603050405020304" pitchFamily="18" charset="0"/>
-                <a:cs typeface="Times New Roman" panose="02020603050405020304" pitchFamily="18" charset="0"/>
-              </a:rPr>
-              <a:t>Pil</a:t>
-            </a:r>
-            <a:endParaRPr lang="en-US" dirty="0" smtClean="0">
-              <a:latin typeface="Times New Roman" panose="02020603050405020304" pitchFamily="18" charset="0"/>
-              <a:cs typeface="Times New Roman" panose="02020603050405020304" pitchFamily="18" charset="0"/>
-            </a:endParaRPr>
-          </a:p>
-          <a:p>
-            <a:r>
-              <a:rPr lang="en-US" dirty="0" err="1" smtClean="0">
-                <a:latin typeface="Times New Roman" panose="02020603050405020304" pitchFamily="18" charset="0"/>
-                <a:cs typeface="Times New Roman" panose="02020603050405020304" pitchFamily="18" charset="0"/>
-              </a:rPr>
-              <a:t>PyAutoGui</a:t>
-            </a:r>
-            <a:endParaRPr lang="ru-RU" dirty="0" smtClean="0">
-              <a:latin typeface="Times New Roman" panose="02020603050405020304" pitchFamily="18" charset="0"/>
-              <a:cs typeface="Times New Roman" panose="02020603050405020304" pitchFamily="18" charset="0"/>
-            </a:endParaRPr>
-          </a:p>
-          <a:p>
-            <a:r>
-              <a:rPr lang="en-US" dirty="0" smtClean="0">
-                <a:latin typeface="Times New Roman" panose="02020603050405020304" pitchFamily="18" charset="0"/>
-                <a:cs typeface="Times New Roman" panose="02020603050405020304" pitchFamily="18" charset="0"/>
-              </a:rPr>
-              <a:t>Python</a:t>
-            </a:r>
-            <a:endParaRPr lang="ru-RU" dirty="0">
-              <a:latin typeface="Times New Roman" panose="02020603050405020304" pitchFamily="18" charset="0"/>
-              <a:cs typeface="Times New Roman" panose="02020603050405020304" pitchFamily="18" charset="0"/>
-            </a:endParaRPr>
-          </a:p>
-        </p:txBody>
-      </p:sp>
-      <p:sp>
-        <p:nvSpPr>
-          <p:cNvPr id="5" name="Номер слайда 4"/>
+          <p:cNvPr id="4" name="Номер слайда 3"/>
           <p:cNvSpPr>
             <a:spLocks noGrp="1"/>
           </p:cNvSpPr>
@@ -4721,98 +4462,6 @@
                 </a:solidFill>
               </a:rPr>
               <a:t>7</a:t>
-            </a:fld>
-            <a:endParaRPr lang="ru-RU" dirty="0">
-              <a:solidFill>
-                <a:schemeClr val="tx1"/>
-              </a:solidFill>
-            </a:endParaRPr>
-          </a:p>
-        </p:txBody>
-      </p:sp>
-    </p:spTree>
-    <p:extLst>
-      <p:ext uri="{BB962C8B-B14F-4D97-AF65-F5344CB8AC3E}">
-        <p14:creationId xmlns:p14="http://schemas.microsoft.com/office/powerpoint/2010/main" val="1844699289"/>
-      </p:ext>
-    </p:extLst>
-  </p:cSld>
-  <p:clrMapOvr>
-    <a:masterClrMapping/>
-  </p:clrMapOvr>
-  <p:timing>
-    <p:tnLst>
-      <p:par>
-        <p:cTn id="1" dur="indefinite" restart="never" nodeType="tmRoot"/>
-      </p:par>
-    </p:tnLst>
-  </p:timing>
-</p:sld>
-</file>
-
-<file path=ppt/slides/slide8.xml><?xml version="1.0" encoding="utf-8"?>
-<p:sld xmlns:a="http://schemas.openxmlformats.org/drawingml/2006/main" xmlns:r="http://schemas.openxmlformats.org/officeDocument/2006/relationships" xmlns:p="http://schemas.openxmlformats.org/presentationml/2006/main">
-  <p:cSld>
-    <p:spTree>
-      <p:nvGrpSpPr>
-        <p:cNvPr id="1" name=""/>
-        <p:cNvGrpSpPr/>
-        <p:nvPr/>
-      </p:nvGrpSpPr>
-      <p:grpSpPr>
-        <a:xfrm>
-          <a:off x="0" y="0"/>
-          <a:ext cx="0" cy="0"/>
-          <a:chOff x="0" y="0"/>
-          <a:chExt cx="0" cy="0"/>
-        </a:xfrm>
-      </p:grpSpPr>
-      <p:sp>
-        <p:nvSpPr>
-          <p:cNvPr id="2" name="Заголовок 1"/>
-          <p:cNvSpPr>
-            <a:spLocks noGrp="1"/>
-          </p:cNvSpPr>
-          <p:nvPr>
-            <p:ph type="title"/>
-          </p:nvPr>
-        </p:nvSpPr>
-        <p:spPr/>
-        <p:txBody>
-          <a:bodyPr/>
-          <a:lstStyle/>
-          <a:p>
-            <a:pPr algn="ctr"/>
-            <a:r>
-              <a:rPr lang="ru-RU" dirty="0" smtClean="0"/>
-              <a:t>Пример работы</a:t>
-            </a:r>
-            <a:endParaRPr lang="ru-RU" dirty="0"/>
-          </a:p>
-        </p:txBody>
-      </p:sp>
-      <p:sp>
-        <p:nvSpPr>
-          <p:cNvPr id="4" name="Номер слайда 3"/>
-          <p:cNvSpPr>
-            <a:spLocks noGrp="1"/>
-          </p:cNvSpPr>
-          <p:nvPr>
-            <p:ph type="sldNum" sz="quarter" idx="12"/>
-          </p:nvPr>
-        </p:nvSpPr>
-        <p:spPr/>
-        <p:txBody>
-          <a:bodyPr/>
-          <a:lstStyle/>
-          <a:p>
-            <a:fld id="{3B9B6943-B823-444A-B92F-AEB3D339762C}" type="slidenum">
-              <a:rPr lang="ru-RU" smtClean="0">
-                <a:solidFill>
-                  <a:schemeClr val="tx1"/>
-                </a:solidFill>
-              </a:rPr>
-              <a:t>8</a:t>
             </a:fld>
             <a:endParaRPr lang="ru-RU" dirty="0">
               <a:solidFill>
@@ -4888,6 +4537,268 @@
 </p:sld>
 </file>
 
+<file path=ppt/slides/slide8.xml><?xml version="1.0" encoding="utf-8"?>
+<p:sld xmlns:a="http://schemas.openxmlformats.org/drawingml/2006/main" xmlns:r="http://schemas.openxmlformats.org/officeDocument/2006/relationships" xmlns:p="http://schemas.openxmlformats.org/presentationml/2006/main">
+  <p:cSld>
+    <p:spTree>
+      <p:nvGrpSpPr>
+        <p:cNvPr id="1" name=""/>
+        <p:cNvGrpSpPr/>
+        <p:nvPr/>
+      </p:nvGrpSpPr>
+      <p:grpSpPr>
+        <a:xfrm>
+          <a:off x="0" y="0"/>
+          <a:ext cx="0" cy="0"/>
+          <a:chOff x="0" y="0"/>
+          <a:chExt cx="0" cy="0"/>
+        </a:xfrm>
+      </p:grpSpPr>
+      <p:sp>
+        <p:nvSpPr>
+          <p:cNvPr id="2" name="Заголовок 1"/>
+          <p:cNvSpPr>
+            <a:spLocks noGrp="1"/>
+          </p:cNvSpPr>
+          <p:nvPr>
+            <p:ph type="title"/>
+          </p:nvPr>
+        </p:nvSpPr>
+        <p:spPr/>
+        <p:txBody>
+          <a:bodyPr/>
+          <a:lstStyle/>
+          <a:p>
+            <a:pPr algn="ctr"/>
+            <a:r>
+              <a:rPr lang="ru-RU" dirty="0" smtClean="0"/>
+              <a:t>Средства реализации</a:t>
+            </a:r>
+            <a:endParaRPr lang="ru-RU" dirty="0"/>
+          </a:p>
+        </p:txBody>
+      </p:sp>
+      <p:sp>
+        <p:nvSpPr>
+          <p:cNvPr id="4" name="Номер слайда 3"/>
+          <p:cNvSpPr>
+            <a:spLocks noGrp="1"/>
+          </p:cNvSpPr>
+          <p:nvPr>
+            <p:ph type="sldNum" sz="quarter" idx="12"/>
+          </p:nvPr>
+        </p:nvSpPr>
+        <p:spPr/>
+        <p:txBody>
+          <a:bodyPr/>
+          <a:lstStyle/>
+          <a:p>
+            <a:fld id="{3B9B6943-B823-444A-B92F-AEB3D339762C}" type="slidenum">
+              <a:rPr lang="ru-RU" smtClean="0">
+                <a:solidFill>
+                  <a:schemeClr val="tx1"/>
+                </a:solidFill>
+              </a:rPr>
+              <a:t>8</a:t>
+            </a:fld>
+            <a:endParaRPr lang="ru-RU" dirty="0">
+              <a:solidFill>
+                <a:schemeClr val="tx1"/>
+              </a:solidFill>
+            </a:endParaRPr>
+          </a:p>
+        </p:txBody>
+      </p:sp>
+      <p:sp>
+        <p:nvSpPr>
+          <p:cNvPr id="7" name="Объект 2"/>
+          <p:cNvSpPr>
+            <a:spLocks noGrp="1"/>
+          </p:cNvSpPr>
+          <p:nvPr>
+            <p:ph idx="1"/>
+          </p:nvPr>
+        </p:nvSpPr>
+        <p:spPr>
+          <a:xfrm>
+            <a:off x="838200" y="1825625"/>
+            <a:ext cx="10515600" cy="4351338"/>
+          </a:xfrm>
+        </p:spPr>
+        <p:txBody>
+          <a:bodyPr/>
+          <a:lstStyle/>
+          <a:p>
+            <a:r>
+              <a:rPr lang="en-US" dirty="0" smtClean="0">
+                <a:latin typeface="Times New Roman" panose="02020603050405020304" pitchFamily="18" charset="0"/>
+                <a:cs typeface="Times New Roman" panose="02020603050405020304" pitchFamily="18" charset="0"/>
+              </a:rPr>
+              <a:t>OC: Windows 11</a:t>
+            </a:r>
+            <a:endParaRPr lang="ru-RU" dirty="0" smtClean="0">
+              <a:latin typeface="Times New Roman" panose="02020603050405020304" pitchFamily="18" charset="0"/>
+              <a:cs typeface="Times New Roman" panose="02020603050405020304" pitchFamily="18" charset="0"/>
+            </a:endParaRPr>
+          </a:p>
+          <a:p>
+            <a:r>
+              <a:rPr lang="ru-RU" dirty="0" smtClean="0">
+                <a:latin typeface="Times New Roman" panose="02020603050405020304" pitchFamily="18" charset="0"/>
+                <a:cs typeface="Times New Roman" panose="02020603050405020304" pitchFamily="18" charset="0"/>
+              </a:rPr>
+              <a:t>ЯП: </a:t>
+            </a:r>
+            <a:r>
+              <a:rPr lang="en-US" dirty="0" smtClean="0">
+                <a:latin typeface="Times New Roman" panose="02020603050405020304" pitchFamily="18" charset="0"/>
+                <a:cs typeface="Times New Roman" panose="02020603050405020304" pitchFamily="18" charset="0"/>
+              </a:rPr>
+              <a:t>C#</a:t>
+            </a:r>
+            <a:endParaRPr lang="ru-RU" dirty="0" smtClean="0">
+              <a:latin typeface="Times New Roman" panose="02020603050405020304" pitchFamily="18" charset="0"/>
+              <a:cs typeface="Times New Roman" panose="02020603050405020304" pitchFamily="18" charset="0"/>
+            </a:endParaRPr>
+          </a:p>
+          <a:p>
+            <a:r>
+              <a:rPr lang="ru-RU" dirty="0" smtClean="0">
+                <a:latin typeface="Times New Roman" panose="02020603050405020304" pitchFamily="18" charset="0"/>
+                <a:cs typeface="Times New Roman" panose="02020603050405020304" pitchFamily="18" charset="0"/>
+              </a:rPr>
+              <a:t>Библиотеки:</a:t>
+            </a:r>
+            <a:r>
+              <a:rPr lang="en-US" dirty="0" smtClean="0">
+                <a:latin typeface="Times New Roman" panose="02020603050405020304" pitchFamily="18" charset="0"/>
+                <a:cs typeface="Times New Roman" panose="02020603050405020304" pitchFamily="18" charset="0"/>
+              </a:rPr>
+              <a:t> </a:t>
+            </a:r>
+            <a:r>
+              <a:rPr lang="en-US" dirty="0" err="1" smtClean="0">
+                <a:latin typeface="Times New Roman" panose="02020603050405020304" pitchFamily="18" charset="0"/>
+                <a:cs typeface="Times New Roman" panose="02020603050405020304" pitchFamily="18" charset="0"/>
+              </a:rPr>
+              <a:t>Telegram.bot</a:t>
+            </a:r>
+            <a:r>
+              <a:rPr lang="en-US" dirty="0" smtClean="0">
+                <a:latin typeface="Times New Roman" panose="02020603050405020304" pitchFamily="18" charset="0"/>
+                <a:cs typeface="Times New Roman" panose="02020603050405020304" pitchFamily="18" charset="0"/>
+              </a:rPr>
+              <a:t>, </a:t>
+            </a:r>
+            <a:r>
+              <a:rPr lang="en-US" dirty="0" err="1" smtClean="0">
+                <a:latin typeface="Times New Roman" panose="02020603050405020304" pitchFamily="18" charset="0"/>
+                <a:cs typeface="Times New Roman" panose="02020603050405020304" pitchFamily="18" charset="0"/>
+              </a:rPr>
+              <a:t>NTextCat</a:t>
+            </a:r>
+            <a:r>
+              <a:rPr lang="en-US" dirty="0" smtClean="0">
+                <a:latin typeface="Times New Roman" panose="02020603050405020304" pitchFamily="18" charset="0"/>
+                <a:cs typeface="Times New Roman" panose="02020603050405020304" pitchFamily="18" charset="0"/>
+              </a:rPr>
+              <a:t>, Microsoft Translator API</a:t>
+            </a:r>
+            <a:endParaRPr lang="ru-RU" dirty="0" smtClean="0">
+              <a:latin typeface="Times New Roman" panose="02020603050405020304" pitchFamily="18" charset="0"/>
+              <a:cs typeface="Times New Roman" panose="02020603050405020304" pitchFamily="18" charset="0"/>
+            </a:endParaRPr>
+          </a:p>
+          <a:p>
+            <a:r>
+              <a:rPr lang="ru-RU" dirty="0" smtClean="0">
+                <a:latin typeface="Times New Roman" panose="02020603050405020304" pitchFamily="18" charset="0"/>
+                <a:cs typeface="Times New Roman" panose="02020603050405020304" pitchFamily="18" charset="0"/>
+              </a:rPr>
+              <a:t>Платформа</a:t>
+            </a:r>
+            <a:r>
+              <a:rPr lang="en-US" dirty="0" smtClean="0">
+                <a:latin typeface="Times New Roman" panose="02020603050405020304" pitchFamily="18" charset="0"/>
+                <a:cs typeface="Times New Roman" panose="02020603050405020304" pitchFamily="18" charset="0"/>
+              </a:rPr>
+              <a:t>: </a:t>
+            </a:r>
+            <a:r>
+              <a:rPr lang="en-US" dirty="0" err="1" smtClean="0">
+                <a:latin typeface="Times New Roman" panose="02020603050405020304" pitchFamily="18" charset="0"/>
+                <a:cs typeface="Times New Roman" panose="02020603050405020304" pitchFamily="18" charset="0"/>
+              </a:rPr>
+              <a:t>.Net</a:t>
+            </a:r>
+            <a:r>
+              <a:rPr lang="en-US" dirty="0" smtClean="0">
+                <a:latin typeface="Times New Roman" panose="02020603050405020304" pitchFamily="18" charset="0"/>
+                <a:cs typeface="Times New Roman" panose="02020603050405020304" pitchFamily="18" charset="0"/>
+              </a:rPr>
+              <a:t> Core</a:t>
+            </a:r>
+            <a:endParaRPr lang="ru-RU" dirty="0" smtClean="0">
+              <a:latin typeface="Times New Roman" panose="02020603050405020304" pitchFamily="18" charset="0"/>
+              <a:cs typeface="Times New Roman" panose="02020603050405020304" pitchFamily="18" charset="0"/>
+            </a:endParaRPr>
+          </a:p>
+          <a:p>
+            <a:r>
+              <a:rPr lang="ru-RU" dirty="0" smtClean="0">
+                <a:latin typeface="Times New Roman" panose="02020603050405020304" pitchFamily="18" charset="0"/>
+                <a:cs typeface="Times New Roman" panose="02020603050405020304" pitchFamily="18" charset="0"/>
+              </a:rPr>
+              <a:t>Среда разработки</a:t>
+            </a:r>
+            <a:r>
+              <a:rPr lang="en-US" dirty="0" smtClean="0">
+                <a:latin typeface="Times New Roman" panose="02020603050405020304" pitchFamily="18" charset="0"/>
+                <a:cs typeface="Times New Roman" panose="02020603050405020304" pitchFamily="18" charset="0"/>
+              </a:rPr>
+              <a:t>: Visual Studio</a:t>
+            </a:r>
+            <a:r>
+              <a:rPr lang="en-US" dirty="0" smtClean="0">
+                <a:latin typeface="Times New Roman" panose="02020603050405020304" pitchFamily="18" charset="0"/>
+                <a:cs typeface="Times New Roman" panose="02020603050405020304" pitchFamily="18" charset="0"/>
+              </a:rPr>
+              <a:t>, Rider, </a:t>
+            </a:r>
+            <a:r>
+              <a:rPr lang="en-US" dirty="0" smtClean="0">
+                <a:latin typeface="Times New Roman" panose="02020603050405020304" pitchFamily="18" charset="0"/>
+                <a:cs typeface="Times New Roman" panose="02020603050405020304" pitchFamily="18" charset="0"/>
+              </a:rPr>
+              <a:t>GitHub</a:t>
+            </a:r>
+            <a:endParaRPr lang="ru-RU" dirty="0">
+              <a:latin typeface="Times New Roman" panose="02020603050405020304" pitchFamily="18" charset="0"/>
+              <a:cs typeface="Times New Roman" panose="02020603050405020304" pitchFamily="18" charset="0"/>
+            </a:endParaRPr>
+          </a:p>
+        </p:txBody>
+      </p:sp>
+    </p:spTree>
+    <p:extLst>
+      <p:ext uri="{BB962C8B-B14F-4D97-AF65-F5344CB8AC3E}">
+        <p14:creationId xmlns:p14="http://schemas.microsoft.com/office/powerpoint/2010/main" val="3919830120"/>
+      </p:ext>
+    </p:extLst>
+  </p:cSld>
+  <p:clrMapOvr>
+    <a:masterClrMapping/>
+  </p:clrMapOvr>
+  <p:timing>
+    <p:tnLst>
+      <p:par>
+        <p:cTn id="1" dur="indefinite" restart="never" nodeType="tmRoot"/>
+      </p:par>
+    </p:tnLst>
+  </p:timing>
+</p:sld>
+</file>
+
 <file path=ppt/slides/slide9.xml><?xml version="1.0" encoding="utf-8"?>
 <p:sld xmlns:a="http://schemas.openxmlformats.org/drawingml/2006/main" xmlns:r="http://schemas.openxmlformats.org/officeDocument/2006/relationships" xmlns:p="http://schemas.openxmlformats.org/presentationml/2006/main">
   <p:cSld>
@@ -4922,16 +4833,82 @@
           <a:p>
             <a:pPr algn="ctr"/>
             <a:r>
-              <a:rPr lang="ru-RU" dirty="0" smtClean="0"/>
-              <a:t>Средства реализации</a:t>
-            </a:r>
-            <a:endParaRPr lang="ru-RU" dirty="0"/>
-          </a:p>
-        </p:txBody>
-      </p:sp>
-      <p:sp>
-        <p:nvSpPr>
-          <p:cNvPr id="4" name="Номер слайда 3"/>
+              <a:rPr lang="ru-RU" dirty="0" smtClean="0">
+                <a:latin typeface="Times New Roman" panose="02020603050405020304" pitchFamily="18" charset="0"/>
+                <a:cs typeface="Times New Roman" panose="02020603050405020304" pitchFamily="18" charset="0"/>
+              </a:rPr>
+              <a:t>Заключение</a:t>
+            </a:r>
+            <a:endParaRPr lang="ru-RU" dirty="0">
+              <a:latin typeface="Times New Roman" panose="02020603050405020304" pitchFamily="18" charset="0"/>
+              <a:cs typeface="Times New Roman" panose="02020603050405020304" pitchFamily="18" charset="0"/>
+            </a:endParaRPr>
+          </a:p>
+        </p:txBody>
+      </p:sp>
+      <p:sp>
+        <p:nvSpPr>
+          <p:cNvPr id="3" name="Объект 2"/>
+          <p:cNvSpPr>
+            <a:spLocks noGrp="1"/>
+          </p:cNvSpPr>
+          <p:nvPr>
+            <p:ph idx="1"/>
+          </p:nvPr>
+        </p:nvSpPr>
+        <p:spPr/>
+        <p:txBody>
+          <a:bodyPr>
+            <a:normAutofit/>
+          </a:bodyPr>
+          <a:lstStyle/>
+          <a:p>
+            <a:r>
+              <a:rPr lang="ru-RU" sz="3200" dirty="0" smtClean="0"/>
+              <a:t>Разработка </a:t>
+            </a:r>
+            <a:r>
+              <a:rPr lang="ru-RU" sz="3200" dirty="0"/>
+              <a:t>Telegram-бота для автоматического перевода </a:t>
+            </a:r>
+            <a:r>
+              <a:rPr lang="ru-RU" sz="3200" dirty="0" smtClean="0"/>
+              <a:t>текстов</a:t>
+            </a:r>
+            <a:endParaRPr lang="en-US" sz="3200" dirty="0" smtClean="0"/>
+          </a:p>
+          <a:p>
+            <a:r>
+              <a:rPr lang="ru-RU" sz="3200" dirty="0" smtClean="0"/>
+              <a:t>Успешная </a:t>
+            </a:r>
+            <a:r>
+              <a:rPr lang="ru-RU" sz="3200" dirty="0"/>
+              <a:t>реализация и тестирование </a:t>
+            </a:r>
+            <a:r>
+              <a:rPr lang="ru-RU" sz="3200" dirty="0" smtClean="0"/>
+              <a:t>бота</a:t>
+            </a:r>
+            <a:endParaRPr lang="en-US" sz="3200" dirty="0" smtClean="0"/>
+          </a:p>
+          <a:p>
+            <a:r>
+              <a:rPr lang="ru-RU" sz="3200" dirty="0" smtClean="0"/>
+              <a:t>Направления для дальнейшего улучшения</a:t>
+            </a:r>
+          </a:p>
+          <a:p>
+            <a:endParaRPr lang="ru-RU" sz="3200" dirty="0">
+              <a:latin typeface="Times New Roman" panose="02020603050405020304" pitchFamily="18" charset="0"/>
+              <a:cs typeface="Times New Roman" panose="02020603050405020304" pitchFamily="18" charset="0"/>
+            </a:endParaRPr>
+          </a:p>
+        </p:txBody>
+      </p:sp>
+      <p:sp>
+        <p:nvSpPr>
+          <p:cNvPr id="5" name="Номер слайда 4"/>
           <p:cNvSpPr>
             <a:spLocks noGrp="1"/>
           </p:cNvSpPr>
@@ -4960,179 +4937,16 @@
           </a:p>
         </p:txBody>
       </p:sp>
-      <p:sp>
-        <p:nvSpPr>
-          <p:cNvPr id="7" name="Объект 2"/>
-          <p:cNvSpPr>
-            <a:spLocks noGrp="1"/>
-          </p:cNvSpPr>
-          <p:nvPr>
-            <p:ph idx="1"/>
-          </p:nvPr>
-        </p:nvSpPr>
-        <p:spPr>
-          <a:xfrm>
-            <a:off x="838200" y="1825625"/>
-            <a:ext cx="10515600" cy="4351338"/>
-          </a:xfrm>
-        </p:spPr>
-        <p:txBody>
-          <a:bodyPr/>
-          <a:lstStyle/>
-          <a:p>
-            <a:r>
-              <a:rPr lang="en-US" dirty="0" smtClean="0">
-                <a:latin typeface="Times New Roman" panose="02020603050405020304" pitchFamily="18" charset="0"/>
-                <a:cs typeface="Times New Roman" panose="02020603050405020304" pitchFamily="18" charset="0"/>
-              </a:rPr>
-              <a:t>OC: Windows 11</a:t>
-            </a:r>
-            <a:endParaRPr lang="ru-RU" dirty="0" smtClean="0">
-              <a:latin typeface="Times New Roman" panose="02020603050405020304" pitchFamily="18" charset="0"/>
-              <a:cs typeface="Times New Roman" panose="02020603050405020304" pitchFamily="18" charset="0"/>
-            </a:endParaRPr>
-          </a:p>
-          <a:p>
-            <a:r>
-              <a:rPr lang="ru-RU" dirty="0" smtClean="0">
-                <a:latin typeface="Times New Roman" panose="02020603050405020304" pitchFamily="18" charset="0"/>
-                <a:cs typeface="Times New Roman" panose="02020603050405020304" pitchFamily="18" charset="0"/>
-              </a:rPr>
-              <a:t>ЯП: </a:t>
-            </a:r>
-            <a:r>
-              <a:rPr lang="en-US" dirty="0" smtClean="0">
-                <a:latin typeface="Times New Roman" panose="02020603050405020304" pitchFamily="18" charset="0"/>
-                <a:cs typeface="Times New Roman" panose="02020603050405020304" pitchFamily="18" charset="0"/>
-              </a:rPr>
-              <a:t>C#</a:t>
-            </a:r>
-            <a:endParaRPr lang="ru-RU" dirty="0" smtClean="0">
-              <a:latin typeface="Times New Roman" panose="02020603050405020304" pitchFamily="18" charset="0"/>
-              <a:cs typeface="Times New Roman" panose="02020603050405020304" pitchFamily="18" charset="0"/>
-            </a:endParaRPr>
-          </a:p>
-          <a:p>
-            <a:r>
-              <a:rPr lang="ru-RU" dirty="0" smtClean="0">
-                <a:latin typeface="Times New Roman" panose="02020603050405020304" pitchFamily="18" charset="0"/>
-                <a:cs typeface="Times New Roman" panose="02020603050405020304" pitchFamily="18" charset="0"/>
-              </a:rPr>
-              <a:t>Библиотеки:</a:t>
-            </a:r>
-            <a:r>
-              <a:rPr lang="en-US" dirty="0" smtClean="0">
-                <a:latin typeface="Times New Roman" panose="02020603050405020304" pitchFamily="18" charset="0"/>
-                <a:cs typeface="Times New Roman" panose="02020603050405020304" pitchFamily="18" charset="0"/>
-              </a:rPr>
-              <a:t> </a:t>
-            </a:r>
-            <a:r>
-              <a:rPr lang="en-US" dirty="0" err="1" smtClean="0">
-                <a:latin typeface="Times New Roman" panose="02020603050405020304" pitchFamily="18" charset="0"/>
-                <a:cs typeface="Times New Roman" panose="02020603050405020304" pitchFamily="18" charset="0"/>
-              </a:rPr>
-              <a:t>Telegram.bot</a:t>
-            </a:r>
-            <a:r>
-              <a:rPr lang="en-US" dirty="0" smtClean="0">
-                <a:latin typeface="Times New Roman" panose="02020603050405020304" pitchFamily="18" charset="0"/>
-                <a:cs typeface="Times New Roman" panose="02020603050405020304" pitchFamily="18" charset="0"/>
-              </a:rPr>
-              <a:t>, </a:t>
-            </a:r>
-            <a:r>
-              <a:rPr lang="en-US" dirty="0" err="1" smtClean="0">
-                <a:latin typeface="Times New Roman" panose="02020603050405020304" pitchFamily="18" charset="0"/>
-                <a:cs typeface="Times New Roman" panose="02020603050405020304" pitchFamily="18" charset="0"/>
-              </a:rPr>
-              <a:t>NTextCat</a:t>
-            </a:r>
-            <a:r>
-              <a:rPr lang="en-US" dirty="0" smtClean="0">
-                <a:latin typeface="Times New Roman" panose="02020603050405020304" pitchFamily="18" charset="0"/>
-                <a:cs typeface="Times New Roman" panose="02020603050405020304" pitchFamily="18" charset="0"/>
-              </a:rPr>
-              <a:t>, Microsoft Translator API</a:t>
-            </a:r>
-            <a:endParaRPr lang="ru-RU" dirty="0" smtClean="0">
-              <a:latin typeface="Times New Roman" panose="02020603050405020304" pitchFamily="18" charset="0"/>
-              <a:cs typeface="Times New Roman" panose="02020603050405020304" pitchFamily="18" charset="0"/>
-            </a:endParaRPr>
-          </a:p>
-          <a:p>
-            <a:r>
-              <a:rPr lang="ru-RU" dirty="0" smtClean="0">
-                <a:latin typeface="Times New Roman" panose="02020603050405020304" pitchFamily="18" charset="0"/>
-                <a:cs typeface="Times New Roman" panose="02020603050405020304" pitchFamily="18" charset="0"/>
-              </a:rPr>
-              <a:t>Платформа</a:t>
-            </a:r>
-            <a:r>
-              <a:rPr lang="en-US" dirty="0" smtClean="0">
-                <a:latin typeface="Times New Roman" panose="02020603050405020304" pitchFamily="18" charset="0"/>
-                <a:cs typeface="Times New Roman" panose="02020603050405020304" pitchFamily="18" charset="0"/>
-              </a:rPr>
-              <a:t>: </a:t>
-            </a:r>
-            <a:r>
-              <a:rPr lang="en-US" dirty="0" err="1" smtClean="0">
-                <a:latin typeface="Times New Roman" panose="02020603050405020304" pitchFamily="18" charset="0"/>
-                <a:cs typeface="Times New Roman" panose="02020603050405020304" pitchFamily="18" charset="0"/>
-              </a:rPr>
-              <a:t>.Net</a:t>
-            </a:r>
-            <a:r>
-              <a:rPr lang="en-US" dirty="0" smtClean="0">
-                <a:latin typeface="Times New Roman" panose="02020603050405020304" pitchFamily="18" charset="0"/>
-                <a:cs typeface="Times New Roman" panose="02020603050405020304" pitchFamily="18" charset="0"/>
-              </a:rPr>
-              <a:t> Core</a:t>
-            </a:r>
-            <a:endParaRPr lang="ru-RU" dirty="0" smtClean="0">
-              <a:latin typeface="Times New Roman" panose="02020603050405020304" pitchFamily="18" charset="0"/>
-              <a:cs typeface="Times New Roman" panose="02020603050405020304" pitchFamily="18" charset="0"/>
-            </a:endParaRPr>
-          </a:p>
-          <a:p>
-            <a:r>
-              <a:rPr lang="ru-RU" dirty="0" smtClean="0">
-                <a:latin typeface="Times New Roman" panose="02020603050405020304" pitchFamily="18" charset="0"/>
-                <a:cs typeface="Times New Roman" panose="02020603050405020304" pitchFamily="18" charset="0"/>
-              </a:rPr>
-              <a:t>Среда разработки</a:t>
-            </a:r>
-            <a:r>
-              <a:rPr lang="en-US" dirty="0" smtClean="0">
-                <a:latin typeface="Times New Roman" panose="02020603050405020304" pitchFamily="18" charset="0"/>
-                <a:cs typeface="Times New Roman" panose="02020603050405020304" pitchFamily="18" charset="0"/>
-              </a:rPr>
-              <a:t>: Visual Studio, GitHub</a:t>
-            </a:r>
-            <a:endParaRPr lang="ru-RU" dirty="0">
-              <a:latin typeface="Times New Roman" panose="02020603050405020304" pitchFamily="18" charset="0"/>
-              <a:cs typeface="Times New Roman" panose="02020603050405020304" pitchFamily="18" charset="0"/>
-            </a:endParaRPr>
-          </a:p>
-        </p:txBody>
-      </p:sp>
     </p:spTree>
     <p:extLst>
       <p:ext uri="{BB962C8B-B14F-4D97-AF65-F5344CB8AC3E}">
-        <p14:creationId xmlns:p14="http://schemas.microsoft.com/office/powerpoint/2010/main" val="3919830120"/>
+        <p14:creationId xmlns:p14="http://schemas.microsoft.com/office/powerpoint/2010/main" val="2452373963"/>
       </p:ext>
     </p:extLst>
   </p:cSld>
   <p:clrMapOvr>
     <a:masterClrMapping/>
   </p:clrMapOvr>
-  <p:timing>
-    <p:tnLst>
-      <p:par>
-        <p:cTn id="1" dur="indefinite" restart="never" nodeType="tmRoot"/>
-      </p:par>
-    </p:tnLst>
-  </p:timing>
 </p:sld>
 </file>
 

--- a/DocumentsTGbot/PrezaTGbot.pptx
+++ b/DocumentsTGbot/PrezaTGbot.pptx
@@ -3408,21 +3408,8 @@
             </a:r>
             <a:r>
               <a:rPr lang="ru-RU" dirty="0" smtClean="0"/>
-              <a:t> студент </a:t>
-            </a:r>
-            <a:r>
-              <a:rPr lang="ru-RU" dirty="0" smtClean="0"/>
-              <a:t>3 </a:t>
-            </a:r>
-            <a:r>
-              <a:rPr lang="ru-RU" dirty="0" smtClean="0"/>
-              <a:t>курса </a:t>
-            </a:r>
-            <a:r>
-              <a:rPr lang="ru-RU" dirty="0" smtClean="0"/>
-              <a:t>Черных А. В.</a:t>
-            </a:r>
-            <a:endParaRPr lang="ru-RU" dirty="0" smtClean="0"/>
+              <a:t> студент 3 курса Черных А. В.</a:t>
+            </a:r>
           </a:p>
           <a:p>
             <a:pPr algn="r"/>
@@ -4756,21 +4743,7 @@
                 <a:latin typeface="Times New Roman" panose="02020603050405020304" pitchFamily="18" charset="0"/>
                 <a:cs typeface="Times New Roman" panose="02020603050405020304" pitchFamily="18" charset="0"/>
               </a:rPr>
-              <a:t>: Visual Studio</a:t>
-            </a:r>
-            <a:r>
-              <a:rPr lang="en-US" dirty="0" smtClean="0">
-                <a:latin typeface="Times New Roman" panose="02020603050405020304" pitchFamily="18" charset="0"/>
-                <a:cs typeface="Times New Roman" panose="02020603050405020304" pitchFamily="18" charset="0"/>
-              </a:rPr>
-              <a:t>, Rider, </a:t>
-            </a:r>
-            <a:r>
-              <a:rPr lang="en-US" dirty="0" smtClean="0">
-                <a:latin typeface="Times New Roman" panose="02020603050405020304" pitchFamily="18" charset="0"/>
-                <a:cs typeface="Times New Roman" panose="02020603050405020304" pitchFamily="18" charset="0"/>
-              </a:rPr>
-              <a:t>GitHub</a:t>
+              <a:t>: Visual Studio, Rider, GitHub</a:t>
             </a:r>
             <a:endParaRPr lang="ru-RU" dirty="0">
               <a:latin typeface="Times New Roman" panose="02020603050405020304" pitchFamily="18" charset="0"/>

--- a/DocumentsTGbot/PrezaTGbot.pptx
+++ b/DocumentsTGbot/PrezaTGbot.pptx
@@ -5,7 +5,7 @@
     <p:sldMasterId id="2147483648" r:id="rId1"/>
   </p:sldMasterIdLst>
   <p:notesMasterIdLst>
-    <p:notesMasterId r:id="rId12"/>
+    <p:notesMasterId r:id="rId11"/>
   </p:notesMasterIdLst>
   <p:sldIdLst>
     <p:sldId id="256" r:id="rId2"/>
@@ -13,11 +13,10 @@
     <p:sldId id="258" r:id="rId4"/>
     <p:sldId id="259" r:id="rId5"/>
     <p:sldId id="260" r:id="rId6"/>
-    <p:sldId id="267" r:id="rId7"/>
-    <p:sldId id="263" r:id="rId8"/>
-    <p:sldId id="269" r:id="rId9"/>
-    <p:sldId id="268" r:id="rId10"/>
-    <p:sldId id="270" r:id="rId11"/>
+    <p:sldId id="263" r:id="rId7"/>
+    <p:sldId id="269" r:id="rId8"/>
+    <p:sldId id="268" r:id="rId9"/>
+    <p:sldId id="270" r:id="rId10"/>
   </p:sldIdLst>
   <p:sldSz cx="12192000" cy="6858000"/>
   <p:notesSz cx="6858000" cy="9144000"/>
@@ -3354,8 +3353,12 @@
               <a:t>Telegram</a:t>
             </a:r>
             <a:r>
+              <a:rPr lang="en-US" dirty="0"/>
+              <a:t>-</a:t>
+            </a:r>
+            <a:r>
               <a:rPr lang="ru-RU" dirty="0" smtClean="0"/>
-              <a:t> бот </a:t>
+              <a:t>бот </a:t>
             </a:r>
             <a:r>
               <a:rPr lang="ru-RU" dirty="0"/>
@@ -3484,123 +3487,6 @@
       </p:par>
     </p:tnLst>
   </p:timing>
-</p:sld>
-</file>
-
-<file path=ppt/slides/slide10.xml><?xml version="1.0" encoding="utf-8"?>
-<p:sld xmlns:a="http://schemas.openxmlformats.org/drawingml/2006/main" xmlns:r="http://schemas.openxmlformats.org/officeDocument/2006/relationships" xmlns:p="http://schemas.openxmlformats.org/presentationml/2006/main">
-  <p:cSld>
-    <p:spTree>
-      <p:nvGrpSpPr>
-        <p:cNvPr id="1" name=""/>
-        <p:cNvGrpSpPr/>
-        <p:nvPr/>
-      </p:nvGrpSpPr>
-      <p:grpSpPr>
-        <a:xfrm>
-          <a:off x="0" y="0"/>
-          <a:ext cx="0" cy="0"/>
-          <a:chOff x="0" y="0"/>
-          <a:chExt cx="0" cy="0"/>
-        </a:xfrm>
-      </p:grpSpPr>
-      <p:sp>
-        <p:nvSpPr>
-          <p:cNvPr id="2" name="Заголовок 1"/>
-          <p:cNvSpPr>
-            <a:spLocks noGrp="1"/>
-          </p:cNvSpPr>
-          <p:nvPr>
-            <p:ph type="title"/>
-          </p:nvPr>
-        </p:nvSpPr>
-        <p:spPr/>
-        <p:txBody>
-          <a:bodyPr/>
-          <a:lstStyle/>
-          <a:p>
-            <a:pPr algn="ctr"/>
-            <a:r>
-              <a:rPr lang="en-US" dirty="0" smtClean="0">
-                <a:latin typeface="Times New Roman" panose="02020603050405020304" pitchFamily="18" charset="0"/>
-                <a:cs typeface="Times New Roman" panose="02020603050405020304" pitchFamily="18" charset="0"/>
-              </a:rPr>
-              <a:t>GitHub</a:t>
-            </a:r>
-            <a:endParaRPr lang="ru-RU" dirty="0">
-              <a:latin typeface="Times New Roman" panose="02020603050405020304" pitchFamily="18" charset="0"/>
-              <a:cs typeface="Times New Roman" panose="02020603050405020304" pitchFamily="18" charset="0"/>
-            </a:endParaRPr>
-          </a:p>
-        </p:txBody>
-      </p:sp>
-      <p:pic>
-        <p:nvPicPr>
-          <p:cNvPr id="4" name="Объект 3"/>
-          <p:cNvPicPr>
-            <a:picLocks noGrp="1" noChangeAspect="1"/>
-          </p:cNvPicPr>
-          <p:nvPr>
-            <p:ph idx="1"/>
-          </p:nvPr>
-        </p:nvPicPr>
-        <p:blipFill>
-          <a:blip r:embed="rId2"/>
-          <a:stretch>
-            <a:fillRect/>
-          </a:stretch>
-        </p:blipFill>
-        <p:spPr>
-          <a:xfrm>
-            <a:off x="3919233" y="1690688"/>
-            <a:ext cx="4353533" cy="4296375"/>
-          </a:xfrm>
-          <a:prstGeom prst="rect">
-            <a:avLst/>
-          </a:prstGeom>
-        </p:spPr>
-      </p:pic>
-      <p:sp>
-        <p:nvSpPr>
-          <p:cNvPr id="5" name="Номер слайда 4"/>
-          <p:cNvSpPr>
-            <a:spLocks noGrp="1"/>
-          </p:cNvSpPr>
-          <p:nvPr>
-            <p:ph type="sldNum" sz="quarter" idx="12"/>
-          </p:nvPr>
-        </p:nvSpPr>
-        <p:spPr/>
-        <p:txBody>
-          <a:bodyPr/>
-          <a:lstStyle/>
-          <a:p>
-            <a:fld id="{3B9B6943-B823-444A-B92F-AEB3D339762C}" type="slidenum">
-              <a:rPr lang="ru-RU" smtClean="0">
-                <a:solidFill>
-                  <a:schemeClr val="tx1"/>
-                </a:solidFill>
-              </a:rPr>
-              <a:t>10</a:t>
-            </a:fld>
-            <a:endParaRPr lang="ru-RU" dirty="0">
-              <a:solidFill>
-                <a:schemeClr val="tx1"/>
-              </a:solidFill>
-            </a:endParaRPr>
-          </a:p>
-        </p:txBody>
-      </p:sp>
-    </p:spTree>
-    <p:extLst>
-      <p:ext uri="{BB962C8B-B14F-4D97-AF65-F5344CB8AC3E}">
-        <p14:creationId xmlns:p14="http://schemas.microsoft.com/office/powerpoint/2010/main" val="3246577692"/>
-      </p:ext>
-    </p:extLst>
-  </p:cSld>
-  <p:clrMapOvr>
-    <a:masterClrMapping/>
-  </p:clrMapOvr>
 </p:sld>
 </file>
 
@@ -4303,7 +4189,7 @@
             <a:pPr algn="ctr"/>
             <a:r>
               <a:rPr lang="ru-RU" dirty="0" smtClean="0"/>
-              <a:t>Диаграмма последовательности</a:t>
+              <a:t>Пример работы</a:t>
             </a:r>
             <a:endParaRPr lang="ru-RU" dirty="0"/>
           </a:p>
@@ -4311,7 +4197,7 @@
       </p:sp>
       <p:sp>
         <p:nvSpPr>
-          <p:cNvPr id="3" name="Номер слайда 2"/>
+          <p:cNvPr id="4" name="Номер слайда 3"/>
           <p:cNvSpPr>
             <a:spLocks noGrp="1"/>
           </p:cNvSpPr>
@@ -4331,124 +4217,6 @@
                 </a:solidFill>
               </a:rPr>
               <a:t>6</a:t>
-            </a:fld>
-            <a:endParaRPr lang="ru-RU" dirty="0">
-              <a:solidFill>
-                <a:schemeClr val="tx1"/>
-              </a:solidFill>
-            </a:endParaRPr>
-          </a:p>
-        </p:txBody>
-      </p:sp>
-      <p:pic>
-        <p:nvPicPr>
-          <p:cNvPr id="5" name="Рисунок 4" descr="C:\Users\Alex\Downloads\Диаграмма последовательности.png"/>
-          <p:cNvPicPr/>
-          <p:nvPr/>
-        </p:nvPicPr>
-        <p:blipFill>
-          <a:blip r:embed="rId2">
-            <a:extLst>
-              <a:ext uri="{28A0092B-C50C-407E-A947-70E740481C1C}">
-                <a14:useLocalDpi xmlns:a14="http://schemas.microsoft.com/office/drawing/2010/main" val="0"/>
-              </a:ext>
-            </a:extLst>
-          </a:blip>
-          <a:srcRect/>
-          <a:stretch>
-            <a:fillRect/>
-          </a:stretch>
-        </p:blipFill>
-        <p:spPr bwMode="auto">
-          <a:xfrm>
-            <a:off x="2990988" y="1413523"/>
-            <a:ext cx="6916491" cy="5219993"/>
-          </a:xfrm>
-          <a:prstGeom prst="rect">
-            <a:avLst/>
-          </a:prstGeom>
-          <a:noFill/>
-          <a:ln>
-            <a:noFill/>
-          </a:ln>
-        </p:spPr>
-      </p:pic>
-    </p:spTree>
-    <p:extLst>
-      <p:ext uri="{BB962C8B-B14F-4D97-AF65-F5344CB8AC3E}">
-        <p14:creationId xmlns:p14="http://schemas.microsoft.com/office/powerpoint/2010/main" val="1533838592"/>
-      </p:ext>
-    </p:extLst>
-  </p:cSld>
-  <p:clrMapOvr>
-    <a:masterClrMapping/>
-  </p:clrMapOvr>
-</p:sld>
-</file>
-
-<file path=ppt/slides/slide7.xml><?xml version="1.0" encoding="utf-8"?>
-<p:sld xmlns:a="http://schemas.openxmlformats.org/drawingml/2006/main" xmlns:r="http://schemas.openxmlformats.org/officeDocument/2006/relationships" xmlns:p="http://schemas.openxmlformats.org/presentationml/2006/main">
-  <p:cSld>
-    <p:spTree>
-      <p:nvGrpSpPr>
-        <p:cNvPr id="1" name=""/>
-        <p:cNvGrpSpPr/>
-        <p:nvPr/>
-      </p:nvGrpSpPr>
-      <p:grpSpPr>
-        <a:xfrm>
-          <a:off x="0" y="0"/>
-          <a:ext cx="0" cy="0"/>
-          <a:chOff x="0" y="0"/>
-          <a:chExt cx="0" cy="0"/>
-        </a:xfrm>
-      </p:grpSpPr>
-      <p:sp>
-        <p:nvSpPr>
-          <p:cNvPr id="2" name="Заголовок 1"/>
-          <p:cNvSpPr>
-            <a:spLocks noGrp="1"/>
-          </p:cNvSpPr>
-          <p:nvPr>
-            <p:ph type="title"/>
-          </p:nvPr>
-        </p:nvSpPr>
-        <p:spPr/>
-        <p:txBody>
-          <a:bodyPr/>
-          <a:lstStyle/>
-          <a:p>
-            <a:pPr algn="ctr"/>
-            <a:r>
-              <a:rPr lang="ru-RU" dirty="0" smtClean="0"/>
-              <a:t>Пример работы</a:t>
-            </a:r>
-            <a:endParaRPr lang="ru-RU" dirty="0"/>
-          </a:p>
-        </p:txBody>
-      </p:sp>
-      <p:sp>
-        <p:nvSpPr>
-          <p:cNvPr id="4" name="Номер слайда 3"/>
-          <p:cNvSpPr>
-            <a:spLocks noGrp="1"/>
-          </p:cNvSpPr>
-          <p:nvPr>
-            <p:ph type="sldNum" sz="quarter" idx="12"/>
-          </p:nvPr>
-        </p:nvSpPr>
-        <p:spPr/>
-        <p:txBody>
-          <a:bodyPr/>
-          <a:lstStyle/>
-          <a:p>
-            <a:fld id="{3B9B6943-B823-444A-B92F-AEB3D339762C}" type="slidenum">
-              <a:rPr lang="ru-RU" smtClean="0">
-                <a:solidFill>
-                  <a:schemeClr val="tx1"/>
-                </a:solidFill>
-              </a:rPr>
-              <a:t>7</a:t>
             </a:fld>
             <a:endParaRPr lang="ru-RU" dirty="0">
               <a:solidFill>
@@ -4524,7 +4292,7 @@
 </p:sld>
 </file>
 
-<file path=ppt/slides/slide8.xml><?xml version="1.0" encoding="utf-8"?>
+<file path=ppt/slides/slide7.xml><?xml version="1.0" encoding="utf-8"?>
 <p:sld xmlns:a="http://schemas.openxmlformats.org/drawingml/2006/main" xmlns:r="http://schemas.openxmlformats.org/officeDocument/2006/relationships" xmlns:p="http://schemas.openxmlformats.org/presentationml/2006/main">
   <p:cSld>
     <p:spTree>
@@ -4586,7 +4354,7 @@
                   <a:schemeClr val="tx1"/>
                 </a:solidFill>
               </a:rPr>
-              <a:t>8</a:t>
+              <a:t>7</a:t>
             </a:fld>
             <a:endParaRPr lang="ru-RU" dirty="0">
               <a:solidFill>
@@ -4772,6 +4540,157 @@
 </p:sld>
 </file>
 
+<file path=ppt/slides/slide8.xml><?xml version="1.0" encoding="utf-8"?>
+<p:sld xmlns:a="http://schemas.openxmlformats.org/drawingml/2006/main" xmlns:r="http://schemas.openxmlformats.org/officeDocument/2006/relationships" xmlns:p="http://schemas.openxmlformats.org/presentationml/2006/main">
+  <p:cSld>
+    <p:spTree>
+      <p:nvGrpSpPr>
+        <p:cNvPr id="1" name=""/>
+        <p:cNvGrpSpPr/>
+        <p:nvPr/>
+      </p:nvGrpSpPr>
+      <p:grpSpPr>
+        <a:xfrm>
+          <a:off x="0" y="0"/>
+          <a:ext cx="0" cy="0"/>
+          <a:chOff x="0" y="0"/>
+          <a:chExt cx="0" cy="0"/>
+        </a:xfrm>
+      </p:grpSpPr>
+      <p:sp>
+        <p:nvSpPr>
+          <p:cNvPr id="2" name="Заголовок 1"/>
+          <p:cNvSpPr>
+            <a:spLocks noGrp="1"/>
+          </p:cNvSpPr>
+          <p:nvPr>
+            <p:ph type="title"/>
+          </p:nvPr>
+        </p:nvSpPr>
+        <p:spPr/>
+        <p:txBody>
+          <a:bodyPr/>
+          <a:lstStyle/>
+          <a:p>
+            <a:pPr algn="ctr"/>
+            <a:r>
+              <a:rPr lang="ru-RU" dirty="0" smtClean="0">
+                <a:latin typeface="Times New Roman" panose="02020603050405020304" pitchFamily="18" charset="0"/>
+                <a:cs typeface="Times New Roman" panose="02020603050405020304" pitchFamily="18" charset="0"/>
+              </a:rPr>
+              <a:t>Заключение</a:t>
+            </a:r>
+            <a:endParaRPr lang="ru-RU" dirty="0">
+              <a:latin typeface="Times New Roman" panose="02020603050405020304" pitchFamily="18" charset="0"/>
+              <a:cs typeface="Times New Roman" panose="02020603050405020304" pitchFamily="18" charset="0"/>
+            </a:endParaRPr>
+          </a:p>
+        </p:txBody>
+      </p:sp>
+      <p:sp>
+        <p:nvSpPr>
+          <p:cNvPr id="3" name="Объект 2"/>
+          <p:cNvSpPr>
+            <a:spLocks noGrp="1"/>
+          </p:cNvSpPr>
+          <p:nvPr>
+            <p:ph idx="1"/>
+          </p:nvPr>
+        </p:nvSpPr>
+        <p:spPr/>
+        <p:txBody>
+          <a:bodyPr>
+            <a:normAutofit/>
+          </a:bodyPr>
+          <a:lstStyle/>
+          <a:p>
+            <a:r>
+              <a:rPr lang="ru-RU" sz="3200" dirty="0" smtClean="0"/>
+              <a:t>Разработка </a:t>
+            </a:r>
+            <a:r>
+              <a:rPr lang="ru-RU" sz="3200" dirty="0"/>
+              <a:t>Telegram-бота для автоматического перевода </a:t>
+            </a:r>
+            <a:r>
+              <a:rPr lang="ru-RU" sz="3200" dirty="0" smtClean="0"/>
+              <a:t>текстов</a:t>
+            </a:r>
+            <a:endParaRPr lang="en-US" sz="3200" dirty="0" smtClean="0"/>
+          </a:p>
+          <a:p>
+            <a:r>
+              <a:rPr lang="ru-RU" sz="3200" dirty="0" smtClean="0"/>
+              <a:t>Успешная </a:t>
+            </a:r>
+            <a:r>
+              <a:rPr lang="ru-RU" sz="3200" dirty="0"/>
+              <a:t>реализация и тестирование </a:t>
+            </a:r>
+            <a:r>
+              <a:rPr lang="ru-RU" sz="3200" dirty="0" smtClean="0"/>
+              <a:t>бота</a:t>
+            </a:r>
+            <a:endParaRPr lang="en-US" sz="3200" dirty="0" smtClean="0"/>
+          </a:p>
+          <a:p>
+            <a:r>
+              <a:rPr lang="ru-RU" sz="3200" dirty="0" smtClean="0"/>
+              <a:t>Направления для дальнейшего улучшения</a:t>
+            </a:r>
+          </a:p>
+          <a:p>
+            <a:endParaRPr lang="ru-RU" sz="3200" dirty="0">
+              <a:latin typeface="Times New Roman" panose="02020603050405020304" pitchFamily="18" charset="0"/>
+              <a:cs typeface="Times New Roman" panose="02020603050405020304" pitchFamily="18" charset="0"/>
+            </a:endParaRPr>
+          </a:p>
+        </p:txBody>
+      </p:sp>
+      <p:sp>
+        <p:nvSpPr>
+          <p:cNvPr id="5" name="Номер слайда 4"/>
+          <p:cNvSpPr>
+            <a:spLocks noGrp="1"/>
+          </p:cNvSpPr>
+          <p:nvPr>
+            <p:ph type="sldNum" sz="quarter" idx="12"/>
+          </p:nvPr>
+        </p:nvSpPr>
+        <p:spPr/>
+        <p:txBody>
+          <a:bodyPr/>
+          <a:lstStyle/>
+          <a:p>
+            <a:fld id="{3B9B6943-B823-444A-B92F-AEB3D339762C}" type="slidenum">
+              <a:rPr lang="ru-RU" smtClean="0">
+                <a:solidFill>
+                  <a:schemeClr val="tx1"/>
+                </a:solidFill>
+              </a:rPr>
+              <a:t>8</a:t>
+            </a:fld>
+            <a:endParaRPr lang="ru-RU" dirty="0">
+              <a:solidFill>
+                <a:schemeClr val="tx1"/>
+              </a:solidFill>
+            </a:endParaRPr>
+          </a:p>
+        </p:txBody>
+      </p:sp>
+    </p:spTree>
+    <p:extLst>
+      <p:ext uri="{BB962C8B-B14F-4D97-AF65-F5344CB8AC3E}">
+        <p14:creationId xmlns:p14="http://schemas.microsoft.com/office/powerpoint/2010/main" val="2452373963"/>
+      </p:ext>
+    </p:extLst>
+  </p:cSld>
+  <p:clrMapOvr>
+    <a:masterClrMapping/>
+  </p:clrMapOvr>
+</p:sld>
+</file>
+
 <file path=ppt/slides/slide9.xml><?xml version="1.0" encoding="utf-8"?>
 <p:sld xmlns:a="http://schemas.openxmlformats.org/drawingml/2006/main" xmlns:r="http://schemas.openxmlformats.org/officeDocument/2006/relationships" xmlns:p="http://schemas.openxmlformats.org/presentationml/2006/main">
   <p:cSld>
@@ -4806,11 +4725,11 @@
           <a:p>
             <a:pPr algn="ctr"/>
             <a:r>
-              <a:rPr lang="ru-RU" dirty="0" smtClean="0">
+              <a:rPr lang="en-US" dirty="0" smtClean="0">
                 <a:latin typeface="Times New Roman" panose="02020603050405020304" pitchFamily="18" charset="0"/>
                 <a:cs typeface="Times New Roman" panose="02020603050405020304" pitchFamily="18" charset="0"/>
               </a:rPr>
-              <a:t>Заключение</a:t>
+              <a:t>GitHub</a:t>
             </a:r>
             <a:endParaRPr lang="ru-RU" dirty="0">
               <a:latin typeface="Times New Roman" panose="02020603050405020304" pitchFamily="18" charset="0"/>
@@ -4819,66 +4738,32 @@
           </a:p>
         </p:txBody>
       </p:sp>
-      <p:sp>
-        <p:nvSpPr>
-          <p:cNvPr id="3" name="Объект 2"/>
-          <p:cNvSpPr>
-            <a:spLocks noGrp="1"/>
-          </p:cNvSpPr>
+      <p:pic>
+        <p:nvPicPr>
+          <p:cNvPr id="4" name="Объект 3"/>
+          <p:cNvPicPr>
+            <a:picLocks noGrp="1" noChangeAspect="1"/>
+          </p:cNvPicPr>
           <p:nvPr>
             <p:ph idx="1"/>
           </p:nvPr>
-        </p:nvSpPr>
-        <p:spPr/>
-        <p:txBody>
-          <a:bodyPr>
-            <a:normAutofit/>
-          </a:bodyPr>
-          <a:lstStyle/>
-          <a:p>
-            <a:r>
-              <a:rPr lang="ru-RU" sz="3200" dirty="0" smtClean="0"/>
-              <a:t>Разработка </a:t>
-            </a:r>
-            <a:r>
-              <a:rPr lang="ru-RU" sz="3200" dirty="0"/>
-              <a:t>Telegram-бота для автоматического перевода </a:t>
-            </a:r>
-            <a:r>
-              <a:rPr lang="ru-RU" sz="3200" dirty="0" smtClean="0"/>
-              <a:t>текстов</a:t>
-            </a:r>
-            <a:endParaRPr lang="en-US" sz="3200" dirty="0" smtClean="0"/>
-          </a:p>
-          <a:p>
-            <a:r>
-              <a:rPr lang="ru-RU" sz="3200" dirty="0" smtClean="0"/>
-              <a:t>Успешная </a:t>
-            </a:r>
-            <a:r>
-              <a:rPr lang="ru-RU" sz="3200" dirty="0"/>
-              <a:t>реализация и тестирование </a:t>
-            </a:r>
-            <a:r>
-              <a:rPr lang="ru-RU" sz="3200" dirty="0" smtClean="0"/>
-              <a:t>бота</a:t>
-            </a:r>
-            <a:endParaRPr lang="en-US" sz="3200" dirty="0" smtClean="0"/>
-          </a:p>
-          <a:p>
-            <a:r>
-              <a:rPr lang="ru-RU" sz="3200" dirty="0" smtClean="0"/>
-              <a:t>Направления для дальнейшего улучшения</a:t>
-            </a:r>
-          </a:p>
-          <a:p>
-            <a:endParaRPr lang="ru-RU" sz="3200" dirty="0">
-              <a:latin typeface="Times New Roman" panose="02020603050405020304" pitchFamily="18" charset="0"/>
-              <a:cs typeface="Times New Roman" panose="02020603050405020304" pitchFamily="18" charset="0"/>
-            </a:endParaRPr>
-          </a:p>
-        </p:txBody>
-      </p:sp>
+        </p:nvPicPr>
+        <p:blipFill>
+          <a:blip r:embed="rId2"/>
+          <a:stretch>
+            <a:fillRect/>
+          </a:stretch>
+        </p:blipFill>
+        <p:spPr>
+          <a:xfrm>
+            <a:off x="3919233" y="1690688"/>
+            <a:ext cx="4353533" cy="4296375"/>
+          </a:xfrm>
+          <a:prstGeom prst="rect">
+            <a:avLst/>
+          </a:prstGeom>
+        </p:spPr>
+      </p:pic>
       <p:sp>
         <p:nvSpPr>
           <p:cNvPr id="5" name="Номер слайда 4"/>
@@ -4913,7 +4798,7 @@
     </p:spTree>
     <p:extLst>
       <p:ext uri="{BB962C8B-B14F-4D97-AF65-F5344CB8AC3E}">
-        <p14:creationId xmlns:p14="http://schemas.microsoft.com/office/powerpoint/2010/main" val="2452373963"/>
+        <p14:creationId xmlns:p14="http://schemas.microsoft.com/office/powerpoint/2010/main" val="3246577692"/>
       </p:ext>
     </p:extLst>
   </p:cSld>

--- a/DocumentsTGbot/PrezaTGbot.pptx
+++ b/DocumentsTGbot/PrezaTGbot.pptx
@@ -4620,24 +4620,37 @@
           </a:p>
           <a:p>
             <a:r>
+              <a:rPr lang="ru-RU" sz="3200" dirty="0"/>
+              <a:t>Т</a:t>
+            </a:r>
+            <a:r>
               <a:rPr lang="ru-RU" sz="3200" dirty="0" smtClean="0"/>
-              <a:t>Успешная </a:t>
-            </a:r>
-            <a:r>
-              <a:rPr lang="ru-RU" sz="3200" dirty="0"/>
-              <a:t>реализация и тестирование </a:t>
-            </a:r>
+              <a:t>естирование бота проведено успешно</a:t>
+            </a:r>
+            <a:endParaRPr lang="en-US" sz="3200" dirty="0" smtClean="0"/>
+          </a:p>
+          <a:p>
             <a:r>
               <a:rPr lang="ru-RU" sz="3200" dirty="0" smtClean="0"/>
-              <a:t>бота</a:t>
-            </a:r>
-            <a:endParaRPr lang="en-US" sz="3200" dirty="0" smtClean="0"/>
-          </a:p>
-          <a:p>
+              <a:t>Направления для дальнейшего </a:t>
+            </a:r>
             <a:r>
               <a:rPr lang="ru-RU" sz="3200" dirty="0" smtClean="0"/>
-              <a:t>Направления для дальнейшего улучшения</a:t>
-            </a:r>
+              <a:t>улучшения: Д</a:t>
+            </a:r>
+            <a:r>
+              <a:rPr lang="ru-RU" sz="3200" dirty="0" smtClean="0"/>
+              <a:t>обавление бота для публичных чатов, автоматический перевод постов из </a:t>
+            </a:r>
+            <a:r>
+              <a:rPr lang="ru-RU" sz="3200" dirty="0" err="1" smtClean="0"/>
+              <a:t>телеграм</a:t>
+            </a:r>
+            <a:r>
+              <a:rPr lang="ru-RU" sz="3200" smtClean="0"/>
+              <a:t>-каналов</a:t>
+            </a:r>
+            <a:endParaRPr lang="ru-RU" sz="3200" dirty="0" smtClean="0"/>
           </a:p>
           <a:p>
             <a:endParaRPr lang="ru-RU" sz="3200" dirty="0">
